--- a/_book/plot/global-output-by-country-1.pptx
+++ b/_book/plot/global-output-by-country-1.pptx
@@ -3123,7 +3123,7 @@
           <p:spPr>
             <a:xfrm>
               <a:off x="2148681" y="1495425"/>
-              <a:ext cx="6400800" cy="4571999"/>
+              <a:ext cx="6400799" cy="4571999"/>
             </a:xfrm>
             <a:prstGeom prst="rect">
               <a:avLst/>
@@ -3158,7 +3158,7 @@
           <p:spPr>
             <a:xfrm>
               <a:off x="2148681" y="1495425"/>
-              <a:ext cx="6400800" cy="4571999"/>
+              <a:ext cx="6400799" cy="4571999"/>
             </a:xfrm>
             <a:prstGeom prst="rect">
               <a:avLst/>
@@ -3192,8 +3192,8 @@
           </p:nvSpPr>
           <p:spPr>
             <a:xfrm>
-              <a:off x="2540745" y="1787940"/>
-              <a:ext cx="5939146" cy="3880082"/>
+              <a:off x="2542904" y="1790925"/>
+              <a:ext cx="5936987" cy="3873605"/>
             </a:xfrm>
             <a:prstGeom prst="rect">
               <a:avLst/>
@@ -3218,15 +3218,15 @@
           </p:nvSpPr>
           <p:spPr>
             <a:xfrm>
-              <a:off x="3481407" y="1787940"/>
-              <a:ext cx="0" cy="3880082"/>
+              <a:off x="3483224" y="1790925"/>
+              <a:ext cx="0" cy="3873605"/>
             </a:xfrm>
             <a:custGeom>
               <a:avLst/>
               <a:pathLst>
-                <a:path w="0" h="3880082">
+                <a:path w="0" h="3873605">
                   <a:moveTo>
-                    <a:pt x="0" y="3880082"/>
+                    <a:pt x="0" y="3873605"/>
                   </a:moveTo>
                   <a:lnTo>
                     <a:pt x="0" y="0"/>
@@ -3261,15 +3261,15 @@
           </p:nvSpPr>
           <p:spPr>
             <a:xfrm>
-              <a:off x="5362729" y="1787940"/>
-              <a:ext cx="0" cy="3880082"/>
+              <a:off x="5363862" y="1790925"/>
+              <a:ext cx="0" cy="3873605"/>
             </a:xfrm>
             <a:custGeom>
               <a:avLst/>
               <a:pathLst>
-                <a:path w="0" h="3880082">
+                <a:path w="0" h="3873605">
                   <a:moveTo>
-                    <a:pt x="0" y="3880082"/>
+                    <a:pt x="0" y="3873605"/>
                   </a:moveTo>
                   <a:lnTo>
                     <a:pt x="0" y="0"/>
@@ -3304,15 +3304,15 @@
           </p:nvSpPr>
           <p:spPr>
             <a:xfrm>
-              <a:off x="7244051" y="1787940"/>
-              <a:ext cx="0" cy="3880082"/>
+              <a:off x="7244501" y="1790925"/>
+              <a:ext cx="0" cy="3873605"/>
             </a:xfrm>
             <a:custGeom>
               <a:avLst/>
               <a:pathLst>
-                <a:path w="0" h="3880082">
+                <a:path w="0" h="3873605">
                   <a:moveTo>
-                    <a:pt x="0" y="3880082"/>
+                    <a:pt x="0" y="3873605"/>
                   </a:moveTo>
                   <a:lnTo>
                     <a:pt x="0" y="0"/>
@@ -3347,21 +3347,21 @@
           </p:nvSpPr>
           <p:spPr>
             <a:xfrm>
-              <a:off x="2540745" y="5439783"/>
-              <a:ext cx="5939146" cy="0"/>
+              <a:off x="2542904" y="5436671"/>
+              <a:ext cx="5936987" cy="0"/>
             </a:xfrm>
             <a:custGeom>
               <a:avLst/>
               <a:pathLst>
-                <a:path w="5939146" h="0">
+                <a:path w="5936987" h="0">
                   <a:moveTo>
                     <a:pt x="0" y="0"/>
                   </a:moveTo>
                   <a:lnTo>
-                    <a:pt x="5939146" y="0"/>
+                    <a:pt x="5936987" y="0"/>
                   </a:lnTo>
                   <a:lnTo>
-                    <a:pt x="5939146" y="0"/>
+                    <a:pt x="5936987" y="0"/>
                   </a:lnTo>
                 </a:path>
               </a:pathLst>
@@ -3390,21 +3390,21 @@
           </p:nvSpPr>
           <p:spPr>
             <a:xfrm>
-              <a:off x="2540745" y="5059383"/>
-              <a:ext cx="5939146" cy="0"/>
+              <a:off x="2542904" y="5056906"/>
+              <a:ext cx="5936987" cy="0"/>
             </a:xfrm>
             <a:custGeom>
               <a:avLst/>
               <a:pathLst>
-                <a:path w="5939146" h="0">
+                <a:path w="5936987" h="0">
                   <a:moveTo>
                     <a:pt x="0" y="0"/>
                   </a:moveTo>
                   <a:lnTo>
-                    <a:pt x="5939146" y="0"/>
+                    <a:pt x="5936987" y="0"/>
                   </a:lnTo>
                   <a:lnTo>
-                    <a:pt x="5939146" y="0"/>
+                    <a:pt x="5936987" y="0"/>
                   </a:lnTo>
                 </a:path>
               </a:pathLst>
@@ -3433,21 +3433,21 @@
           </p:nvSpPr>
           <p:spPr>
             <a:xfrm>
-              <a:off x="2540745" y="4678982"/>
-              <a:ext cx="5939146" cy="0"/>
+              <a:off x="2542904" y="4677141"/>
+              <a:ext cx="5936987" cy="0"/>
             </a:xfrm>
             <a:custGeom>
               <a:avLst/>
               <a:pathLst>
-                <a:path w="5939146" h="0">
+                <a:path w="5936987" h="0">
                   <a:moveTo>
                     <a:pt x="0" y="0"/>
                   </a:moveTo>
                   <a:lnTo>
-                    <a:pt x="5939146" y="0"/>
+                    <a:pt x="5936987" y="0"/>
                   </a:lnTo>
                   <a:lnTo>
-                    <a:pt x="5939146" y="0"/>
+                    <a:pt x="5936987" y="0"/>
                   </a:lnTo>
                 </a:path>
               </a:pathLst>
@@ -3476,21 +3476,21 @@
           </p:nvSpPr>
           <p:spPr>
             <a:xfrm>
-              <a:off x="2540745" y="4298582"/>
-              <a:ext cx="5939146" cy="0"/>
+              <a:off x="2542904" y="4297376"/>
+              <a:ext cx="5936987" cy="0"/>
             </a:xfrm>
             <a:custGeom>
               <a:avLst/>
               <a:pathLst>
-                <a:path w="5939146" h="0">
+                <a:path w="5936987" h="0">
                   <a:moveTo>
                     <a:pt x="0" y="0"/>
                   </a:moveTo>
                   <a:lnTo>
-                    <a:pt x="5939146" y="0"/>
+                    <a:pt x="5936987" y="0"/>
                   </a:lnTo>
                   <a:lnTo>
-                    <a:pt x="5939146" y="0"/>
+                    <a:pt x="5936987" y="0"/>
                   </a:lnTo>
                 </a:path>
               </a:pathLst>
@@ -3519,21 +3519,21 @@
           </p:nvSpPr>
           <p:spPr>
             <a:xfrm>
-              <a:off x="2540745" y="3918182"/>
-              <a:ext cx="5939146" cy="0"/>
+              <a:off x="2542904" y="3917610"/>
+              <a:ext cx="5936987" cy="0"/>
             </a:xfrm>
             <a:custGeom>
               <a:avLst/>
               <a:pathLst>
-                <a:path w="5939146" h="0">
+                <a:path w="5936987" h="0">
                   <a:moveTo>
                     <a:pt x="0" y="0"/>
                   </a:moveTo>
                   <a:lnTo>
-                    <a:pt x="5939146" y="0"/>
+                    <a:pt x="5936987" y="0"/>
                   </a:lnTo>
                   <a:lnTo>
-                    <a:pt x="5939146" y="0"/>
+                    <a:pt x="5936987" y="0"/>
                   </a:lnTo>
                 </a:path>
               </a:pathLst>
@@ -3562,21 +3562,21 @@
           </p:nvSpPr>
           <p:spPr>
             <a:xfrm>
-              <a:off x="2540745" y="3537782"/>
-              <a:ext cx="5939146" cy="0"/>
+              <a:off x="2542904" y="3537845"/>
+              <a:ext cx="5936987" cy="0"/>
             </a:xfrm>
             <a:custGeom>
               <a:avLst/>
               <a:pathLst>
-                <a:path w="5939146" h="0">
+                <a:path w="5936987" h="0">
                   <a:moveTo>
                     <a:pt x="0" y="0"/>
                   </a:moveTo>
                   <a:lnTo>
-                    <a:pt x="5939146" y="0"/>
+                    <a:pt x="5936987" y="0"/>
                   </a:lnTo>
                   <a:lnTo>
-                    <a:pt x="5939146" y="0"/>
+                    <a:pt x="5936987" y="0"/>
                   </a:lnTo>
                 </a:path>
               </a:pathLst>
@@ -3605,21 +3605,21 @@
           </p:nvSpPr>
           <p:spPr>
             <a:xfrm>
-              <a:off x="2540745" y="3157381"/>
-              <a:ext cx="5939146" cy="0"/>
+              <a:off x="2542904" y="3158080"/>
+              <a:ext cx="5936987" cy="0"/>
             </a:xfrm>
             <a:custGeom>
               <a:avLst/>
               <a:pathLst>
-                <a:path w="5939146" h="0">
+                <a:path w="5936987" h="0">
                   <a:moveTo>
                     <a:pt x="0" y="0"/>
                   </a:moveTo>
                   <a:lnTo>
-                    <a:pt x="5939146" y="0"/>
+                    <a:pt x="5936987" y="0"/>
                   </a:lnTo>
                   <a:lnTo>
-                    <a:pt x="5939146" y="0"/>
+                    <a:pt x="5936987" y="0"/>
                   </a:lnTo>
                 </a:path>
               </a:pathLst>
@@ -3648,21 +3648,21 @@
           </p:nvSpPr>
           <p:spPr>
             <a:xfrm>
-              <a:off x="2540745" y="2776981"/>
-              <a:ext cx="5939146" cy="0"/>
+              <a:off x="2542904" y="2778314"/>
+              <a:ext cx="5936987" cy="0"/>
             </a:xfrm>
             <a:custGeom>
               <a:avLst/>
               <a:pathLst>
-                <a:path w="5939146" h="0">
+                <a:path w="5936987" h="0">
                   <a:moveTo>
                     <a:pt x="0" y="0"/>
                   </a:moveTo>
                   <a:lnTo>
-                    <a:pt x="5939146" y="0"/>
+                    <a:pt x="5936987" y="0"/>
                   </a:lnTo>
                   <a:lnTo>
-                    <a:pt x="5939146" y="0"/>
+                    <a:pt x="5936987" y="0"/>
                   </a:lnTo>
                 </a:path>
               </a:pathLst>
@@ -3691,21 +3691,21 @@
           </p:nvSpPr>
           <p:spPr>
             <a:xfrm>
-              <a:off x="2540745" y="2396581"/>
-              <a:ext cx="5939146" cy="0"/>
+              <a:off x="2542904" y="2398549"/>
+              <a:ext cx="5936987" cy="0"/>
             </a:xfrm>
             <a:custGeom>
               <a:avLst/>
               <a:pathLst>
-                <a:path w="5939146" h="0">
+                <a:path w="5936987" h="0">
                   <a:moveTo>
                     <a:pt x="0" y="0"/>
                   </a:moveTo>
                   <a:lnTo>
-                    <a:pt x="5939146" y="0"/>
+                    <a:pt x="5936987" y="0"/>
                   </a:lnTo>
                   <a:lnTo>
-                    <a:pt x="5939146" y="0"/>
+                    <a:pt x="5936987" y="0"/>
                   </a:lnTo>
                 </a:path>
               </a:pathLst>
@@ -3734,21 +3734,21 @@
           </p:nvSpPr>
           <p:spPr>
             <a:xfrm>
-              <a:off x="2540745" y="2016180"/>
-              <a:ext cx="5939146" cy="0"/>
+              <a:off x="2542904" y="2018784"/>
+              <a:ext cx="5936987" cy="0"/>
             </a:xfrm>
             <a:custGeom>
               <a:avLst/>
               <a:pathLst>
-                <a:path w="5939146" h="0">
+                <a:path w="5936987" h="0">
                   <a:moveTo>
                     <a:pt x="0" y="0"/>
                   </a:moveTo>
                   <a:lnTo>
-                    <a:pt x="5939146" y="0"/>
+                    <a:pt x="5936987" y="0"/>
                   </a:lnTo>
                   <a:lnTo>
-                    <a:pt x="5939146" y="0"/>
+                    <a:pt x="5936987" y="0"/>
                   </a:lnTo>
                 </a:path>
               </a:pathLst>
@@ -3777,15 +3777,15 @@
           </p:nvSpPr>
           <p:spPr>
             <a:xfrm>
-              <a:off x="2540745" y="1787940"/>
-              <a:ext cx="0" cy="3880082"/>
+              <a:off x="2542904" y="1790925"/>
+              <a:ext cx="0" cy="3873605"/>
             </a:xfrm>
             <a:custGeom>
               <a:avLst/>
               <a:pathLst>
-                <a:path w="0" h="3880082">
+                <a:path w="0" h="3873605">
                   <a:moveTo>
-                    <a:pt x="0" y="3880082"/>
+                    <a:pt x="0" y="3873605"/>
                   </a:moveTo>
                   <a:lnTo>
                     <a:pt x="0" y="0"/>
@@ -3820,15 +3820,15 @@
           </p:nvSpPr>
           <p:spPr>
             <a:xfrm>
-              <a:off x="4422068" y="1787940"/>
-              <a:ext cx="0" cy="3880082"/>
+              <a:off x="4423543" y="1790925"/>
+              <a:ext cx="0" cy="3873605"/>
             </a:xfrm>
             <a:custGeom>
               <a:avLst/>
               <a:pathLst>
-                <a:path w="0" h="3880082">
+                <a:path w="0" h="3873605">
                   <a:moveTo>
-                    <a:pt x="0" y="3880082"/>
+                    <a:pt x="0" y="3873605"/>
                   </a:moveTo>
                   <a:lnTo>
                     <a:pt x="0" y="0"/>
@@ -3863,15 +3863,15 @@
           </p:nvSpPr>
           <p:spPr>
             <a:xfrm>
-              <a:off x="6303390" y="1787940"/>
-              <a:ext cx="0" cy="3880082"/>
+              <a:off x="6304181" y="1790925"/>
+              <a:ext cx="0" cy="3873605"/>
             </a:xfrm>
             <a:custGeom>
               <a:avLst/>
               <a:pathLst>
-                <a:path w="0" h="3880082">
+                <a:path w="0" h="3873605">
                   <a:moveTo>
-                    <a:pt x="0" y="3880082"/>
+                    <a:pt x="0" y="3873605"/>
                   </a:moveTo>
                   <a:lnTo>
                     <a:pt x="0" y="0"/>
@@ -3906,15 +3906,15 @@
           </p:nvSpPr>
           <p:spPr>
             <a:xfrm>
-              <a:off x="8184712" y="1787940"/>
-              <a:ext cx="0" cy="3880082"/>
+              <a:off x="8184820" y="1790925"/>
+              <a:ext cx="0" cy="3873605"/>
             </a:xfrm>
             <a:custGeom>
               <a:avLst/>
               <a:pathLst>
-                <a:path w="0" h="3880082">
+                <a:path w="0" h="3873605">
                   <a:moveTo>
-                    <a:pt x="0" y="3880082"/>
+                    <a:pt x="0" y="3873605"/>
                   </a:moveTo>
                   <a:lnTo>
                     <a:pt x="0" y="0"/>
@@ -3949,8 +3949,8 @@
           </p:nvSpPr>
           <p:spPr>
             <a:xfrm>
-              <a:off x="2540745" y="1845000"/>
-              <a:ext cx="5822692" cy="342360"/>
+              <a:off x="2542904" y="1847889"/>
+              <a:ext cx="5820576" cy="341788"/>
             </a:xfrm>
             <a:prstGeom prst="rect">
               <a:avLst/>
@@ -3975,8 +3975,8 @@
           </p:nvSpPr>
           <p:spPr>
             <a:xfrm>
-              <a:off x="2540745" y="2225401"/>
-              <a:ext cx="4723059" cy="342360"/>
+              <a:off x="2542904" y="2227655"/>
+              <a:ext cx="4721342" cy="341788"/>
             </a:xfrm>
             <a:prstGeom prst="rect">
               <a:avLst/>
@@ -4001,8 +4001,8 @@
           </p:nvSpPr>
           <p:spPr>
             <a:xfrm>
-              <a:off x="2540745" y="2605801"/>
-              <a:ext cx="2575530" cy="342360"/>
+              <a:off x="2542904" y="2607420"/>
+              <a:ext cx="2574594" cy="341788"/>
             </a:xfrm>
             <a:prstGeom prst="rect">
               <a:avLst/>
@@ -4027,8 +4027,8 @@
           </p:nvSpPr>
           <p:spPr>
             <a:xfrm>
-              <a:off x="2540745" y="2986201"/>
-              <a:ext cx="1897313" cy="342360"/>
+              <a:off x="2542904" y="2987185"/>
+              <a:ext cx="1896623" cy="341788"/>
             </a:xfrm>
             <a:prstGeom prst="rect">
               <a:avLst/>
@@ -4053,8 +4053,8 @@
           </p:nvSpPr>
           <p:spPr>
             <a:xfrm>
-              <a:off x="2540745" y="3366601"/>
-              <a:ext cx="1680961" cy="342360"/>
+              <a:off x="2542904" y="3366951"/>
+              <a:ext cx="1680350" cy="341788"/>
             </a:xfrm>
             <a:prstGeom prst="rect">
               <a:avLst/>
@@ -4079,8 +4079,8 @@
           </p:nvSpPr>
           <p:spPr>
             <a:xfrm>
-              <a:off x="2540745" y="3747002"/>
-              <a:ext cx="1674376" cy="342360"/>
+              <a:off x="2542904" y="3746716"/>
+              <a:ext cx="1673768" cy="341788"/>
             </a:xfrm>
             <a:prstGeom prst="rect">
               <a:avLst/>
@@ -4105,8 +4105,8 @@
           </p:nvSpPr>
           <p:spPr>
             <a:xfrm>
-              <a:off x="2540745" y="4127402"/>
-              <a:ext cx="1591598" cy="342360"/>
+              <a:off x="2542904" y="4126481"/>
+              <a:ext cx="1591020" cy="341788"/>
             </a:xfrm>
             <a:prstGeom prst="rect">
               <a:avLst/>
@@ -4131,8 +4131,8 @@
           </p:nvSpPr>
           <p:spPr>
             <a:xfrm>
-              <a:off x="2540745" y="4507802"/>
-              <a:ext cx="1582192" cy="342360"/>
+              <a:off x="2542904" y="4506247"/>
+              <a:ext cx="1581616" cy="341788"/>
             </a:xfrm>
             <a:prstGeom prst="rect">
               <a:avLst/>
@@ -4157,8 +4157,8 @@
           </p:nvSpPr>
           <p:spPr>
             <a:xfrm>
-              <a:off x="2540745" y="4888203"/>
-              <a:ext cx="1521049" cy="342360"/>
+              <a:off x="2542904" y="4886012"/>
+              <a:ext cx="1520496" cy="341788"/>
             </a:xfrm>
             <a:prstGeom prst="rect">
               <a:avLst/>
@@ -4183,8 +4183,8 @@
           </p:nvSpPr>
           <p:spPr>
             <a:xfrm>
-              <a:off x="2540745" y="5268603"/>
-              <a:ext cx="1467431" cy="342360"/>
+              <a:off x="2542904" y="5265777"/>
+              <a:ext cx="1466898" cy="341788"/>
             </a:xfrm>
             <a:prstGeom prst="rect">
               <a:avLst/>
@@ -4209,7 +4209,7 @@
           </p:nvSpPr>
           <p:spPr>
             <a:xfrm>
-              <a:off x="8133619" y="1959162"/>
+              <a:off x="8133662" y="1961765"/>
               <a:ext cx="228878" cy="80298"/>
             </a:xfrm>
             <a:prstGeom prst="rect">
@@ -4255,7 +4255,7 @@
           </p:nvSpPr>
           <p:spPr>
             <a:xfrm>
-              <a:off x="6961734" y="2339615"/>
+              <a:off x="6962176" y="2341584"/>
               <a:ext cx="301130" cy="80245"/>
             </a:xfrm>
             <a:prstGeom prst="rect">
@@ -4301,7 +4301,7 @@
           </p:nvSpPr>
           <p:spPr>
             <a:xfrm>
-              <a:off x="5117216" y="2738182"/>
+              <a:off x="5118439" y="2739515"/>
               <a:ext cx="301236" cy="77598"/>
             </a:xfrm>
             <a:prstGeom prst="rect">
@@ -4347,7 +4347,7 @@
           </p:nvSpPr>
           <p:spPr>
             <a:xfrm>
-              <a:off x="4439000" y="3118582"/>
+              <a:off x="4440469" y="3119280"/>
               <a:ext cx="289115" cy="77598"/>
             </a:xfrm>
             <a:prstGeom prst="rect">
@@ -4393,7 +4393,7 @@
           </p:nvSpPr>
           <p:spPr>
             <a:xfrm>
-              <a:off x="4222648" y="3498982"/>
+              <a:off x="4224195" y="3499046"/>
               <a:ext cx="379523" cy="77598"/>
             </a:xfrm>
             <a:prstGeom prst="rect">
@@ -4439,7 +4439,7 @@
           </p:nvSpPr>
           <p:spPr>
             <a:xfrm>
-              <a:off x="4216063" y="3876736"/>
+              <a:off x="4217613" y="3876164"/>
               <a:ext cx="325320" cy="80245"/>
             </a:xfrm>
             <a:prstGeom prst="rect">
@@ -4485,7 +4485,7 @@
           </p:nvSpPr>
           <p:spPr>
             <a:xfrm>
-              <a:off x="4133285" y="4257083"/>
+              <a:off x="4134865" y="4255877"/>
               <a:ext cx="789059" cy="80298"/>
             </a:xfrm>
             <a:prstGeom prst="rect">
@@ -4531,7 +4531,7 @@
           </p:nvSpPr>
           <p:spPr>
             <a:xfrm>
-              <a:off x="4123878" y="4637537"/>
+              <a:off x="4125462" y="4635695"/>
               <a:ext cx="451775" cy="80245"/>
             </a:xfrm>
             <a:prstGeom prst="rect">
@@ -4577,7 +4577,7 @@
           </p:nvSpPr>
           <p:spPr>
             <a:xfrm>
-              <a:off x="4062735" y="5017937"/>
+              <a:off x="4064341" y="5015460"/>
               <a:ext cx="524081" cy="80245"/>
             </a:xfrm>
             <a:prstGeom prst="rect">
@@ -4623,7 +4623,7 @@
           </p:nvSpPr>
           <p:spPr>
             <a:xfrm>
-              <a:off x="4009117" y="5398337"/>
+              <a:off x="4010743" y="5395226"/>
               <a:ext cx="445688" cy="80245"/>
             </a:xfrm>
             <a:prstGeom prst="rect">
@@ -4669,8 +4669,8 @@
           </p:nvSpPr>
           <p:spPr>
             <a:xfrm>
-              <a:off x="2540745" y="1787940"/>
-              <a:ext cx="5939146" cy="3880082"/>
+              <a:off x="2542904" y="1790925"/>
+              <a:ext cx="5936987" cy="3873605"/>
             </a:xfrm>
             <a:prstGeom prst="rect">
               <a:avLst/>
@@ -4699,7 +4699,7 @@
           </p:nvSpPr>
           <p:spPr>
             <a:xfrm>
-              <a:off x="2381640" y="5398091"/>
+              <a:off x="2383799" y="5394980"/>
               <a:ext cx="124311" cy="81691"/>
             </a:xfrm>
             <a:prstGeom prst="rect">
@@ -4745,7 +4745,7 @@
           </p:nvSpPr>
           <p:spPr>
             <a:xfrm>
-              <a:off x="2443795" y="5017636"/>
+              <a:off x="2445954" y="5015160"/>
               <a:ext cx="62155" cy="81746"/>
             </a:xfrm>
             <a:prstGeom prst="rect">
@@ -4791,7 +4791,7 @@
           </p:nvSpPr>
           <p:spPr>
             <a:xfrm>
-              <a:off x="2443795" y="4637236"/>
+              <a:off x="2445954" y="4635395"/>
               <a:ext cx="62155" cy="81746"/>
             </a:xfrm>
             <a:prstGeom prst="rect">
@@ -4837,7 +4837,7 @@
           </p:nvSpPr>
           <p:spPr>
             <a:xfrm>
-              <a:off x="2443795" y="4259673"/>
+              <a:off x="2445954" y="4258467"/>
               <a:ext cx="62155" cy="78908"/>
             </a:xfrm>
             <a:prstGeom prst="rect">
@@ -4883,7 +4883,7 @@
           </p:nvSpPr>
           <p:spPr>
             <a:xfrm>
-              <a:off x="2443795" y="3876490"/>
+              <a:off x="2445954" y="3875919"/>
               <a:ext cx="62155" cy="81691"/>
             </a:xfrm>
             <a:prstGeom prst="rect">
@@ -4929,7 +4929,7 @@
           </p:nvSpPr>
           <p:spPr>
             <a:xfrm>
-              <a:off x="2443795" y="3497509"/>
+              <a:off x="2445954" y="3497572"/>
               <a:ext cx="62155" cy="80272"/>
             </a:xfrm>
             <a:prstGeom prst="rect">
@@ -4975,7 +4975,7 @@
           </p:nvSpPr>
           <p:spPr>
             <a:xfrm>
-              <a:off x="2443795" y="3117054"/>
+              <a:off x="2445954" y="3117752"/>
               <a:ext cx="62155" cy="80327"/>
             </a:xfrm>
             <a:prstGeom prst="rect">
@@ -5021,7 +5021,7 @@
           </p:nvSpPr>
           <p:spPr>
             <a:xfrm>
-              <a:off x="2443795" y="2735289"/>
+              <a:off x="2445954" y="2736623"/>
               <a:ext cx="62155" cy="81691"/>
             </a:xfrm>
             <a:prstGeom prst="rect">
@@ -5067,7 +5067,7 @@
           </p:nvSpPr>
           <p:spPr>
             <a:xfrm>
-              <a:off x="2443795" y="2356253"/>
+              <a:off x="2445954" y="2358222"/>
               <a:ext cx="62155" cy="80327"/>
             </a:xfrm>
             <a:prstGeom prst="rect">
@@ -5113,7 +5113,7 @@
           </p:nvSpPr>
           <p:spPr>
             <a:xfrm>
-              <a:off x="2443795" y="1975853"/>
+              <a:off x="2445954" y="1978456"/>
               <a:ext cx="62155" cy="80327"/>
             </a:xfrm>
             <a:prstGeom prst="rect">
@@ -5159,7 +5159,7 @@
           </p:nvSpPr>
           <p:spPr>
             <a:xfrm>
-              <a:off x="2505951" y="5439783"/>
+              <a:off x="2508110" y="5436671"/>
               <a:ext cx="34794" cy="0"/>
             </a:xfrm>
             <a:custGeom>
@@ -5199,7 +5199,7 @@
           </p:nvSpPr>
           <p:spPr>
             <a:xfrm>
-              <a:off x="2505951" y="5059383"/>
+              <a:off x="2508110" y="5056906"/>
               <a:ext cx="34794" cy="0"/>
             </a:xfrm>
             <a:custGeom>
@@ -5239,7 +5239,7 @@
           </p:nvSpPr>
           <p:spPr>
             <a:xfrm>
-              <a:off x="2505951" y="4678982"/>
+              <a:off x="2508110" y="4677141"/>
               <a:ext cx="34794" cy="0"/>
             </a:xfrm>
             <a:custGeom>
@@ -5279,7 +5279,7 @@
           </p:nvSpPr>
           <p:spPr>
             <a:xfrm>
-              <a:off x="2505951" y="4298582"/>
+              <a:off x="2508110" y="4297376"/>
               <a:ext cx="34794" cy="0"/>
             </a:xfrm>
             <a:custGeom>
@@ -5319,7 +5319,7 @@
           </p:nvSpPr>
           <p:spPr>
             <a:xfrm>
-              <a:off x="2505951" y="3918182"/>
+              <a:off x="2508110" y="3917610"/>
               <a:ext cx="34794" cy="0"/>
             </a:xfrm>
             <a:custGeom>
@@ -5359,7 +5359,7 @@
           </p:nvSpPr>
           <p:spPr>
             <a:xfrm>
-              <a:off x="2505951" y="3537782"/>
+              <a:off x="2508110" y="3537845"/>
               <a:ext cx="34794" cy="0"/>
             </a:xfrm>
             <a:custGeom>
@@ -5399,7 +5399,7 @@
           </p:nvSpPr>
           <p:spPr>
             <a:xfrm>
-              <a:off x="2505951" y="3157381"/>
+              <a:off x="2508110" y="3158080"/>
               <a:ext cx="34794" cy="0"/>
             </a:xfrm>
             <a:custGeom>
@@ -5439,7 +5439,7 @@
           </p:nvSpPr>
           <p:spPr>
             <a:xfrm>
-              <a:off x="2505951" y="2776981"/>
+              <a:off x="2508110" y="2778314"/>
               <a:ext cx="34794" cy="0"/>
             </a:xfrm>
             <a:custGeom>
@@ -5479,7 +5479,7 @@
           </p:nvSpPr>
           <p:spPr>
             <a:xfrm>
-              <a:off x="2505951" y="2396581"/>
+              <a:off x="2508110" y="2398549"/>
               <a:ext cx="34794" cy="0"/>
             </a:xfrm>
             <a:custGeom>
@@ -5519,7 +5519,7 @@
           </p:nvSpPr>
           <p:spPr>
             <a:xfrm>
-              <a:off x="2505951" y="2016180"/>
+              <a:off x="2508110" y="2018784"/>
               <a:ext cx="34794" cy="0"/>
             </a:xfrm>
             <a:custGeom>
@@ -5559,7 +5559,7 @@
           </p:nvSpPr>
           <p:spPr>
             <a:xfrm>
-              <a:off x="2540745" y="5668023"/>
+              <a:off x="2542904" y="5664531"/>
               <a:ext cx="0" cy="34794"/>
             </a:xfrm>
             <a:custGeom>
@@ -5599,7 +5599,7 @@
           </p:nvSpPr>
           <p:spPr>
             <a:xfrm>
-              <a:off x="4422068" y="5668023"/>
+              <a:off x="4423543" y="5664531"/>
               <a:ext cx="0" cy="34794"/>
             </a:xfrm>
             <a:custGeom>
@@ -5639,7 +5639,7 @@
           </p:nvSpPr>
           <p:spPr>
             <a:xfrm>
-              <a:off x="6303390" y="5668023"/>
+              <a:off x="6304181" y="5664531"/>
               <a:ext cx="0" cy="34794"/>
             </a:xfrm>
             <a:custGeom>
@@ -5679,7 +5679,7 @@
           </p:nvSpPr>
           <p:spPr>
             <a:xfrm>
-              <a:off x="8184712" y="5668023"/>
+              <a:off x="8184820" y="5664531"/>
               <a:ext cx="0" cy="34794"/>
             </a:xfrm>
             <a:custGeom>
@@ -5719,7 +5719,7 @@
           </p:nvSpPr>
           <p:spPr>
             <a:xfrm>
-              <a:off x="2509668" y="5728962"/>
+              <a:off x="2511827" y="5725469"/>
               <a:ext cx="62155" cy="81691"/>
             </a:xfrm>
             <a:prstGeom prst="rect">
@@ -5765,7 +5765,7 @@
           </p:nvSpPr>
           <p:spPr>
             <a:xfrm>
-              <a:off x="4297757" y="5728962"/>
+              <a:off x="4299232" y="5725469"/>
               <a:ext cx="248622" cy="81691"/>
             </a:xfrm>
             <a:prstGeom prst="rect">
@@ -5811,7 +5811,7 @@
           </p:nvSpPr>
           <p:spPr>
             <a:xfrm>
-              <a:off x="6179079" y="5728962"/>
+              <a:off x="6179870" y="5725469"/>
               <a:ext cx="248622" cy="81691"/>
             </a:xfrm>
             <a:prstGeom prst="rect">
@@ -5857,7 +5857,7 @@
           </p:nvSpPr>
           <p:spPr>
             <a:xfrm>
-              <a:off x="8060401" y="5728962"/>
+              <a:off x="8060509" y="5725469"/>
               <a:ext cx="248622" cy="81691"/>
             </a:xfrm>
             <a:prstGeom prst="rect">
@@ -5903,7 +5903,7 @@
           </p:nvSpPr>
           <p:spPr>
             <a:xfrm>
-              <a:off x="5285148" y="5867623"/>
+              <a:off x="5286227" y="5865464"/>
               <a:ext cx="450341" cy="101637"/>
             </a:xfrm>
             <a:prstGeom prst="rect">
@@ -5949,7 +5949,7 @@
           </p:nvSpPr>
           <p:spPr>
             <a:xfrm>
-              <a:off x="2540745" y="1527687"/>
+              <a:off x="2542904" y="1527687"/>
               <a:ext cx="1379100" cy="157326"/>
             </a:xfrm>
             <a:prstGeom prst="rect">

--- a/_book/plot/global-output-by-country-1.pptx
+++ b/_book/plot/global-output-by-country-1.pptx
@@ -3108,10 +3108,10 @@
         </p:nvGrpSpPr>
         <p:grpSpPr>
           <a:xfrm>
-            <a:off x="2148682" y="1495425"/>
-            <a:ext cx="6400800" cy="4572000"/>
-            <a:chOff x="2148682" y="1495425"/>
-            <a:chExt cx="6400800" cy="4572000"/>
+            <a:off x="1691482" y="1521028"/>
+            <a:ext cx="7315200" cy="4520794"/>
+            <a:chOff x="1691482" y="1521028"/>
+            <a:chExt cx="7315200" cy="4520794"/>
           </a:xfrm>
         </p:grpSpPr>
         <p:sp>
@@ -3122,8 +3122,8 @@
           </p:nvSpPr>
           <p:spPr>
             <a:xfrm>
-              <a:off x="2148681" y="1495425"/>
-              <a:ext cx="6400799" cy="4571999"/>
+              <a:off x="1691481" y="1521028"/>
+              <a:ext cx="7315199" cy="4520793"/>
             </a:xfrm>
             <a:prstGeom prst="rect">
               <a:avLst/>
@@ -3157,8 +3157,8 @@
           </p:nvSpPr>
           <p:spPr>
             <a:xfrm>
-              <a:off x="2148681" y="1495425"/>
-              <a:ext cx="6400799" cy="4571999"/>
+              <a:off x="1691481" y="1521028"/>
+              <a:ext cx="7315199" cy="4520793"/>
             </a:xfrm>
             <a:prstGeom prst="rect">
               <a:avLst/>
@@ -3192,8 +3192,8 @@
           </p:nvSpPr>
           <p:spPr>
             <a:xfrm>
-              <a:off x="2542904" y="1790925"/>
-              <a:ext cx="5936987" cy="3873605"/>
+              <a:off x="2085704" y="1816528"/>
+              <a:ext cx="6851387" cy="3822399"/>
             </a:xfrm>
             <a:prstGeom prst="rect">
               <a:avLst/>
@@ -3218,15 +3218,15 @@
           </p:nvSpPr>
           <p:spPr>
             <a:xfrm>
-              <a:off x="3483224" y="1790925"/>
-              <a:ext cx="0" cy="3873605"/>
+              <a:off x="3170849" y="1816528"/>
+              <a:ext cx="0" cy="3822399"/>
             </a:xfrm>
             <a:custGeom>
               <a:avLst/>
               <a:pathLst>
-                <a:path w="0" h="3873605">
+                <a:path w="0" h="3822399">
                   <a:moveTo>
-                    <a:pt x="0" y="3873605"/>
+                    <a:pt x="0" y="3822399"/>
                   </a:moveTo>
                   <a:lnTo>
                     <a:pt x="0" y="0"/>
@@ -3261,15 +3261,15 @@
           </p:nvSpPr>
           <p:spPr>
             <a:xfrm>
-              <a:off x="5363862" y="1790925"/>
-              <a:ext cx="0" cy="3873605"/>
+              <a:off x="5341139" y="1816528"/>
+              <a:ext cx="0" cy="3822399"/>
             </a:xfrm>
             <a:custGeom>
               <a:avLst/>
               <a:pathLst>
-                <a:path w="0" h="3873605">
+                <a:path w="0" h="3822399">
                   <a:moveTo>
-                    <a:pt x="0" y="3873605"/>
+                    <a:pt x="0" y="3822399"/>
                   </a:moveTo>
                   <a:lnTo>
                     <a:pt x="0" y="0"/>
@@ -3304,15 +3304,15 @@
           </p:nvSpPr>
           <p:spPr>
             <a:xfrm>
-              <a:off x="7244501" y="1790925"/>
-              <a:ext cx="0" cy="3873605"/>
+              <a:off x="7511429" y="1816528"/>
+              <a:ext cx="0" cy="3822399"/>
             </a:xfrm>
             <a:custGeom>
               <a:avLst/>
               <a:pathLst>
-                <a:path w="0" h="3873605">
+                <a:path w="0" h="3822399">
                   <a:moveTo>
-                    <a:pt x="0" y="3873605"/>
+                    <a:pt x="0" y="3822399"/>
                   </a:moveTo>
                   <a:lnTo>
                     <a:pt x="0" y="0"/>
@@ -3347,21 +3347,21 @@
           </p:nvSpPr>
           <p:spPr>
             <a:xfrm>
-              <a:off x="2542904" y="5436671"/>
-              <a:ext cx="5936987" cy="0"/>
+              <a:off x="2085704" y="5414080"/>
+              <a:ext cx="6851387" cy="0"/>
             </a:xfrm>
             <a:custGeom>
               <a:avLst/>
               <a:pathLst>
-                <a:path w="5936987" h="0">
+                <a:path w="6851387" h="0">
                   <a:moveTo>
                     <a:pt x="0" y="0"/>
                   </a:moveTo>
                   <a:lnTo>
-                    <a:pt x="5936987" y="0"/>
+                    <a:pt x="6851387" y="0"/>
                   </a:lnTo>
                   <a:lnTo>
-                    <a:pt x="5936987" y="0"/>
+                    <a:pt x="6851387" y="0"/>
                   </a:lnTo>
                 </a:path>
               </a:pathLst>
@@ -3390,21 +3390,21 @@
           </p:nvSpPr>
           <p:spPr>
             <a:xfrm>
-              <a:off x="2542904" y="5056906"/>
-              <a:ext cx="5936987" cy="0"/>
+              <a:off x="2085704" y="5039335"/>
+              <a:ext cx="6851387" cy="0"/>
             </a:xfrm>
             <a:custGeom>
               <a:avLst/>
               <a:pathLst>
-                <a:path w="5936987" h="0">
+                <a:path w="6851387" h="0">
                   <a:moveTo>
                     <a:pt x="0" y="0"/>
                   </a:moveTo>
                   <a:lnTo>
-                    <a:pt x="5936987" y="0"/>
+                    <a:pt x="6851387" y="0"/>
                   </a:lnTo>
                   <a:lnTo>
-                    <a:pt x="5936987" y="0"/>
+                    <a:pt x="6851387" y="0"/>
                   </a:lnTo>
                 </a:path>
               </a:pathLst>
@@ -3433,21 +3433,21 @@
           </p:nvSpPr>
           <p:spPr>
             <a:xfrm>
-              <a:off x="2542904" y="4677141"/>
-              <a:ext cx="5936987" cy="0"/>
+              <a:off x="2085704" y="4664590"/>
+              <a:ext cx="6851387" cy="0"/>
             </a:xfrm>
             <a:custGeom>
               <a:avLst/>
               <a:pathLst>
-                <a:path w="5936987" h="0">
+                <a:path w="6851387" h="0">
                   <a:moveTo>
                     <a:pt x="0" y="0"/>
                   </a:moveTo>
                   <a:lnTo>
-                    <a:pt x="5936987" y="0"/>
+                    <a:pt x="6851387" y="0"/>
                   </a:lnTo>
                   <a:lnTo>
-                    <a:pt x="5936987" y="0"/>
+                    <a:pt x="6851387" y="0"/>
                   </a:lnTo>
                 </a:path>
               </a:pathLst>
@@ -3476,21 +3476,21 @@
           </p:nvSpPr>
           <p:spPr>
             <a:xfrm>
-              <a:off x="2542904" y="4297376"/>
-              <a:ext cx="5936987" cy="0"/>
+              <a:off x="2085704" y="4289845"/>
+              <a:ext cx="6851387" cy="0"/>
             </a:xfrm>
             <a:custGeom>
               <a:avLst/>
               <a:pathLst>
-                <a:path w="5936987" h="0">
+                <a:path w="6851387" h="0">
                   <a:moveTo>
                     <a:pt x="0" y="0"/>
                   </a:moveTo>
                   <a:lnTo>
-                    <a:pt x="5936987" y="0"/>
+                    <a:pt x="6851387" y="0"/>
                   </a:lnTo>
                   <a:lnTo>
-                    <a:pt x="5936987" y="0"/>
+                    <a:pt x="6851387" y="0"/>
                   </a:lnTo>
                 </a:path>
               </a:pathLst>
@@ -3519,21 +3519,21 @@
           </p:nvSpPr>
           <p:spPr>
             <a:xfrm>
-              <a:off x="2542904" y="3917610"/>
-              <a:ext cx="5936987" cy="0"/>
+              <a:off x="2085704" y="3915100"/>
+              <a:ext cx="6851387" cy="0"/>
             </a:xfrm>
             <a:custGeom>
               <a:avLst/>
               <a:pathLst>
-                <a:path w="5936987" h="0">
+                <a:path w="6851387" h="0">
                   <a:moveTo>
                     <a:pt x="0" y="0"/>
                   </a:moveTo>
                   <a:lnTo>
-                    <a:pt x="5936987" y="0"/>
+                    <a:pt x="6851387" y="0"/>
                   </a:lnTo>
                   <a:lnTo>
-                    <a:pt x="5936987" y="0"/>
+                    <a:pt x="6851387" y="0"/>
                   </a:lnTo>
                 </a:path>
               </a:pathLst>
@@ -3562,21 +3562,21 @@
           </p:nvSpPr>
           <p:spPr>
             <a:xfrm>
-              <a:off x="2542904" y="3537845"/>
-              <a:ext cx="5936987" cy="0"/>
+              <a:off x="2085704" y="3540355"/>
+              <a:ext cx="6851387" cy="0"/>
             </a:xfrm>
             <a:custGeom>
               <a:avLst/>
               <a:pathLst>
-                <a:path w="5936987" h="0">
+                <a:path w="6851387" h="0">
                   <a:moveTo>
                     <a:pt x="0" y="0"/>
                   </a:moveTo>
                   <a:lnTo>
-                    <a:pt x="5936987" y="0"/>
+                    <a:pt x="6851387" y="0"/>
                   </a:lnTo>
                   <a:lnTo>
-                    <a:pt x="5936987" y="0"/>
+                    <a:pt x="6851387" y="0"/>
                   </a:lnTo>
                 </a:path>
               </a:pathLst>
@@ -3605,21 +3605,21 @@
           </p:nvSpPr>
           <p:spPr>
             <a:xfrm>
-              <a:off x="2542904" y="3158080"/>
-              <a:ext cx="5936987" cy="0"/>
+              <a:off x="2085704" y="3165610"/>
+              <a:ext cx="6851387" cy="0"/>
             </a:xfrm>
             <a:custGeom>
               <a:avLst/>
               <a:pathLst>
-                <a:path w="5936987" h="0">
+                <a:path w="6851387" h="0">
                   <a:moveTo>
                     <a:pt x="0" y="0"/>
                   </a:moveTo>
                   <a:lnTo>
-                    <a:pt x="5936987" y="0"/>
+                    <a:pt x="6851387" y="0"/>
                   </a:lnTo>
                   <a:lnTo>
-                    <a:pt x="5936987" y="0"/>
+                    <a:pt x="6851387" y="0"/>
                   </a:lnTo>
                 </a:path>
               </a:pathLst>
@@ -3648,21 +3648,21 @@
           </p:nvSpPr>
           <p:spPr>
             <a:xfrm>
-              <a:off x="2542904" y="2778314"/>
-              <a:ext cx="5936987" cy="0"/>
+              <a:off x="2085704" y="2790865"/>
+              <a:ext cx="6851387" cy="0"/>
             </a:xfrm>
             <a:custGeom>
               <a:avLst/>
               <a:pathLst>
-                <a:path w="5936987" h="0">
+                <a:path w="6851387" h="0">
                   <a:moveTo>
                     <a:pt x="0" y="0"/>
                   </a:moveTo>
                   <a:lnTo>
-                    <a:pt x="5936987" y="0"/>
+                    <a:pt x="6851387" y="0"/>
                   </a:lnTo>
                   <a:lnTo>
-                    <a:pt x="5936987" y="0"/>
+                    <a:pt x="6851387" y="0"/>
                   </a:lnTo>
                 </a:path>
               </a:pathLst>
@@ -3691,21 +3691,21 @@
           </p:nvSpPr>
           <p:spPr>
             <a:xfrm>
-              <a:off x="2542904" y="2398549"/>
-              <a:ext cx="5936987" cy="0"/>
+              <a:off x="2085704" y="2416120"/>
+              <a:ext cx="6851387" cy="0"/>
             </a:xfrm>
             <a:custGeom>
               <a:avLst/>
               <a:pathLst>
-                <a:path w="5936987" h="0">
+                <a:path w="6851387" h="0">
                   <a:moveTo>
                     <a:pt x="0" y="0"/>
                   </a:moveTo>
                   <a:lnTo>
-                    <a:pt x="5936987" y="0"/>
+                    <a:pt x="6851387" y="0"/>
                   </a:lnTo>
                   <a:lnTo>
-                    <a:pt x="5936987" y="0"/>
+                    <a:pt x="6851387" y="0"/>
                   </a:lnTo>
                 </a:path>
               </a:pathLst>
@@ -3734,21 +3734,21 @@
           </p:nvSpPr>
           <p:spPr>
             <a:xfrm>
-              <a:off x="2542904" y="2018784"/>
-              <a:ext cx="5936987" cy="0"/>
+              <a:off x="2085704" y="2041375"/>
+              <a:ext cx="6851387" cy="0"/>
             </a:xfrm>
             <a:custGeom>
               <a:avLst/>
               <a:pathLst>
-                <a:path w="5936987" h="0">
+                <a:path w="6851387" h="0">
                   <a:moveTo>
                     <a:pt x="0" y="0"/>
                   </a:moveTo>
                   <a:lnTo>
-                    <a:pt x="5936987" y="0"/>
+                    <a:pt x="6851387" y="0"/>
                   </a:lnTo>
                   <a:lnTo>
-                    <a:pt x="5936987" y="0"/>
+                    <a:pt x="6851387" y="0"/>
                   </a:lnTo>
                 </a:path>
               </a:pathLst>
@@ -3777,15 +3777,15 @@
           </p:nvSpPr>
           <p:spPr>
             <a:xfrm>
-              <a:off x="2542904" y="1790925"/>
-              <a:ext cx="0" cy="3873605"/>
+              <a:off x="2085704" y="1816528"/>
+              <a:ext cx="0" cy="3822399"/>
             </a:xfrm>
             <a:custGeom>
               <a:avLst/>
               <a:pathLst>
-                <a:path w="0" h="3873605">
+                <a:path w="0" h="3822399">
                   <a:moveTo>
-                    <a:pt x="0" y="3873605"/>
+                    <a:pt x="0" y="3822399"/>
                   </a:moveTo>
                   <a:lnTo>
                     <a:pt x="0" y="0"/>
@@ -3820,15 +3820,15 @@
           </p:nvSpPr>
           <p:spPr>
             <a:xfrm>
-              <a:off x="4423543" y="1790925"/>
-              <a:ext cx="0" cy="3873605"/>
+              <a:off x="4255994" y="1816528"/>
+              <a:ext cx="0" cy="3822399"/>
             </a:xfrm>
             <a:custGeom>
               <a:avLst/>
               <a:pathLst>
-                <a:path w="0" h="3873605">
+                <a:path w="0" h="3822399">
                   <a:moveTo>
-                    <a:pt x="0" y="3873605"/>
+                    <a:pt x="0" y="3822399"/>
                   </a:moveTo>
                   <a:lnTo>
                     <a:pt x="0" y="0"/>
@@ -3863,15 +3863,15 @@
           </p:nvSpPr>
           <p:spPr>
             <a:xfrm>
-              <a:off x="6304181" y="1790925"/>
-              <a:ext cx="0" cy="3873605"/>
+              <a:off x="6426284" y="1816528"/>
+              <a:ext cx="0" cy="3822399"/>
             </a:xfrm>
             <a:custGeom>
               <a:avLst/>
               <a:pathLst>
-                <a:path w="0" h="3873605">
+                <a:path w="0" h="3822399">
                   <a:moveTo>
-                    <a:pt x="0" y="3873605"/>
+                    <a:pt x="0" y="3822399"/>
                   </a:moveTo>
                   <a:lnTo>
                     <a:pt x="0" y="0"/>
@@ -3906,15 +3906,15 @@
           </p:nvSpPr>
           <p:spPr>
             <a:xfrm>
-              <a:off x="8184820" y="1790925"/>
-              <a:ext cx="0" cy="3873605"/>
+              <a:off x="8596574" y="1816528"/>
+              <a:ext cx="0" cy="3822399"/>
             </a:xfrm>
             <a:custGeom>
               <a:avLst/>
               <a:pathLst>
-                <a:path w="0" h="3873605">
+                <a:path w="0" h="3822399">
                   <a:moveTo>
-                    <a:pt x="0" y="3873605"/>
+                    <a:pt x="0" y="3822399"/>
                   </a:moveTo>
                   <a:lnTo>
                     <a:pt x="0" y="0"/>
@@ -3949,8 +3949,8 @@
           </p:nvSpPr>
           <p:spPr>
             <a:xfrm>
-              <a:off x="2542904" y="1847889"/>
-              <a:ext cx="5820576" cy="341788"/>
+              <a:off x="2085704" y="1872740"/>
+              <a:ext cx="6717046" cy="337270"/>
             </a:xfrm>
             <a:prstGeom prst="rect">
               <a:avLst/>
@@ -3975,8 +3975,8 @@
           </p:nvSpPr>
           <p:spPr>
             <a:xfrm>
-              <a:off x="2542904" y="2227655"/>
-              <a:ext cx="4721342" cy="341788"/>
+              <a:off x="2085704" y="2247485"/>
+              <a:ext cx="5448512" cy="337270"/>
             </a:xfrm>
             <a:prstGeom prst="rect">
               <a:avLst/>
@@ -4001,8 +4001,8 @@
           </p:nvSpPr>
           <p:spPr>
             <a:xfrm>
-              <a:off x="2542904" y="2607420"/>
-              <a:ext cx="2574594" cy="341788"/>
+              <a:off x="2085704" y="2622230"/>
+              <a:ext cx="2971126" cy="337270"/>
             </a:xfrm>
             <a:prstGeom prst="rect">
               <a:avLst/>
@@ -4027,8 +4027,8 @@
           </p:nvSpPr>
           <p:spPr>
             <a:xfrm>
-              <a:off x="2542904" y="2987185"/>
-              <a:ext cx="1896623" cy="341788"/>
+              <a:off x="2085704" y="2996975"/>
+              <a:ext cx="2188737" cy="337270"/>
             </a:xfrm>
             <a:prstGeom prst="rect">
               <a:avLst/>
@@ -4053,8 +4053,8 @@
           </p:nvSpPr>
           <p:spPr>
             <a:xfrm>
-              <a:off x="2542904" y="3366951"/>
-              <a:ext cx="1680350" cy="341788"/>
+              <a:off x="2085704" y="3371720"/>
+              <a:ext cx="1939153" cy="337270"/>
             </a:xfrm>
             <a:prstGeom prst="rect">
               <a:avLst/>
@@ -4079,8 +4079,8 @@
           </p:nvSpPr>
           <p:spPr>
             <a:xfrm>
-              <a:off x="2542904" y="3746716"/>
-              <a:ext cx="1673768" cy="341788"/>
+              <a:off x="2085704" y="3746465"/>
+              <a:ext cx="1931557" cy="337270"/>
             </a:xfrm>
             <a:prstGeom prst="rect">
               <a:avLst/>
@@ -4105,8 +4105,8 @@
           </p:nvSpPr>
           <p:spPr>
             <a:xfrm>
-              <a:off x="2542904" y="4126481"/>
-              <a:ext cx="1591020" cy="341788"/>
+              <a:off x="2085704" y="4121210"/>
+              <a:ext cx="1836065" cy="337270"/>
             </a:xfrm>
             <a:prstGeom prst="rect">
               <a:avLst/>
@@ -4131,8 +4131,8 @@
           </p:nvSpPr>
           <p:spPr>
             <a:xfrm>
-              <a:off x="2542904" y="4506247"/>
-              <a:ext cx="1581616" cy="341788"/>
+              <a:off x="2085704" y="4495955"/>
+              <a:ext cx="1825213" cy="337270"/>
             </a:xfrm>
             <a:prstGeom prst="rect">
               <a:avLst/>
@@ -4157,8 +4157,8 @@
           </p:nvSpPr>
           <p:spPr>
             <a:xfrm>
-              <a:off x="2542904" y="4886012"/>
-              <a:ext cx="1520496" cy="341788"/>
+              <a:off x="2085704" y="4870700"/>
+              <a:ext cx="1754679" cy="337270"/>
             </a:xfrm>
             <a:prstGeom prst="rect">
               <a:avLst/>
@@ -4183,8 +4183,8 @@
           </p:nvSpPr>
           <p:spPr>
             <a:xfrm>
-              <a:off x="2542904" y="5265777"/>
-              <a:ext cx="1466898" cy="341788"/>
+              <a:off x="2085704" y="5245445"/>
+              <a:ext cx="1692825" cy="337270"/>
             </a:xfrm>
             <a:prstGeom prst="rect">
               <a:avLst/>
@@ -4209,7 +4209,7 @@
           </p:nvSpPr>
           <p:spPr>
             <a:xfrm>
-              <a:off x="8133662" y="1961765"/>
+              <a:off x="8448267" y="1984356"/>
               <a:ext cx="228878" cy="80298"/>
             </a:xfrm>
             <a:prstGeom prst="rect">
@@ -4255,7 +4255,7 @@
           </p:nvSpPr>
           <p:spPr>
             <a:xfrm>
-              <a:off x="6962176" y="2341584"/>
+              <a:off x="7107480" y="2359154"/>
               <a:ext cx="301130" cy="80245"/>
             </a:xfrm>
             <a:prstGeom prst="rect">
@@ -4301,7 +4301,7 @@
           </p:nvSpPr>
           <p:spPr>
             <a:xfrm>
-              <a:off x="5118439" y="2739515"/>
+              <a:off x="5182436" y="2752066"/>
               <a:ext cx="301236" cy="77598"/>
             </a:xfrm>
             <a:prstGeom prst="rect">
@@ -4347,7 +4347,7 @@
           </p:nvSpPr>
           <p:spPr>
             <a:xfrm>
-              <a:off x="4440469" y="3119280"/>
+              <a:off x="4400047" y="3126811"/>
               <a:ext cx="289115" cy="77598"/>
             </a:xfrm>
             <a:prstGeom prst="rect">
@@ -4393,7 +4393,7 @@
           </p:nvSpPr>
           <p:spPr>
             <a:xfrm>
-              <a:off x="4224195" y="3499046"/>
+              <a:off x="4150464" y="3501556"/>
               <a:ext cx="379523" cy="77598"/>
             </a:xfrm>
             <a:prstGeom prst="rect">
@@ -4439,7 +4439,7 @@
           </p:nvSpPr>
           <p:spPr>
             <a:xfrm>
-              <a:off x="4217613" y="3876164"/>
+              <a:off x="4142868" y="3873654"/>
               <a:ext cx="325320" cy="80245"/>
             </a:xfrm>
             <a:prstGeom prst="rect">
@@ -4485,7 +4485,7 @@
           </p:nvSpPr>
           <p:spPr>
             <a:xfrm>
-              <a:off x="4134865" y="4255877"/>
+              <a:off x="4047375" y="4248346"/>
               <a:ext cx="789059" cy="80298"/>
             </a:xfrm>
             <a:prstGeom prst="rect">
@@ -4531,7 +4531,7 @@
           </p:nvSpPr>
           <p:spPr>
             <a:xfrm>
-              <a:off x="4125462" y="4635695"/>
+              <a:off x="4036524" y="4623144"/>
               <a:ext cx="451775" cy="80245"/>
             </a:xfrm>
             <a:prstGeom prst="rect">
@@ -4577,7 +4577,7 @@
           </p:nvSpPr>
           <p:spPr>
             <a:xfrm>
-              <a:off x="4064341" y="5015460"/>
+              <a:off x="3965989" y="4997889"/>
               <a:ext cx="524081" cy="80245"/>
             </a:xfrm>
             <a:prstGeom prst="rect">
@@ -4623,7 +4623,7 @@
           </p:nvSpPr>
           <p:spPr>
             <a:xfrm>
-              <a:off x="4010743" y="5395226"/>
+              <a:off x="3904136" y="5372635"/>
               <a:ext cx="445688" cy="80245"/>
             </a:xfrm>
             <a:prstGeom prst="rect">
@@ -4669,8 +4669,8 @@
           </p:nvSpPr>
           <p:spPr>
             <a:xfrm>
-              <a:off x="2542904" y="1790925"/>
-              <a:ext cx="5936987" cy="3873605"/>
+              <a:off x="2085704" y="1816528"/>
+              <a:ext cx="6851387" cy="3822399"/>
             </a:xfrm>
             <a:prstGeom prst="rect">
               <a:avLst/>
@@ -4699,7 +4699,7 @@
           </p:nvSpPr>
           <p:spPr>
             <a:xfrm>
-              <a:off x="2383799" y="5394980"/>
+              <a:off x="1926599" y="5372389"/>
               <a:ext cx="124311" cy="81691"/>
             </a:xfrm>
             <a:prstGeom prst="rect">
@@ -4745,7 +4745,7 @@
           </p:nvSpPr>
           <p:spPr>
             <a:xfrm>
-              <a:off x="2445954" y="5015160"/>
+              <a:off x="1988754" y="4997589"/>
               <a:ext cx="62155" cy="81746"/>
             </a:xfrm>
             <a:prstGeom prst="rect">
@@ -4791,7 +4791,7 @@
           </p:nvSpPr>
           <p:spPr>
             <a:xfrm>
-              <a:off x="2445954" y="4635395"/>
+              <a:off x="1988754" y="4622844"/>
               <a:ext cx="62155" cy="81746"/>
             </a:xfrm>
             <a:prstGeom prst="rect">
@@ -4837,7 +4837,7 @@
           </p:nvSpPr>
           <p:spPr>
             <a:xfrm>
-              <a:off x="2445954" y="4258467"/>
+              <a:off x="1988754" y="4250937"/>
               <a:ext cx="62155" cy="78908"/>
             </a:xfrm>
             <a:prstGeom prst="rect">
@@ -4883,7 +4883,7 @@
           </p:nvSpPr>
           <p:spPr>
             <a:xfrm>
-              <a:off x="2445954" y="3875919"/>
+              <a:off x="1988754" y="3873408"/>
               <a:ext cx="62155" cy="81691"/>
             </a:xfrm>
             <a:prstGeom prst="rect">
@@ -4929,7 +4929,7 @@
           </p:nvSpPr>
           <p:spPr>
             <a:xfrm>
-              <a:off x="2445954" y="3497572"/>
+              <a:off x="1988754" y="3500082"/>
               <a:ext cx="62155" cy="80272"/>
             </a:xfrm>
             <a:prstGeom prst="rect">
@@ -4975,7 +4975,7 @@
           </p:nvSpPr>
           <p:spPr>
             <a:xfrm>
-              <a:off x="2445954" y="3117752"/>
+              <a:off x="1988754" y="3125283"/>
               <a:ext cx="62155" cy="80327"/>
             </a:xfrm>
             <a:prstGeom prst="rect">
@@ -5021,7 +5021,7 @@
           </p:nvSpPr>
           <p:spPr>
             <a:xfrm>
-              <a:off x="2445954" y="2736623"/>
+              <a:off x="1988754" y="2749173"/>
               <a:ext cx="62155" cy="81691"/>
             </a:xfrm>
             <a:prstGeom prst="rect">
@@ -5067,7 +5067,7 @@
           </p:nvSpPr>
           <p:spPr>
             <a:xfrm>
-              <a:off x="2445954" y="2358222"/>
+              <a:off x="1988754" y="2375793"/>
               <a:ext cx="62155" cy="80327"/>
             </a:xfrm>
             <a:prstGeom prst="rect">
@@ -5113,7 +5113,7 @@
           </p:nvSpPr>
           <p:spPr>
             <a:xfrm>
-              <a:off x="2445954" y="1978456"/>
+              <a:off x="1988754" y="2001047"/>
               <a:ext cx="62155" cy="80327"/>
             </a:xfrm>
             <a:prstGeom prst="rect">
@@ -5159,7 +5159,7 @@
           </p:nvSpPr>
           <p:spPr>
             <a:xfrm>
-              <a:off x="2508110" y="5436671"/>
+              <a:off x="2050910" y="5414080"/>
               <a:ext cx="34794" cy="0"/>
             </a:xfrm>
             <a:custGeom>
@@ -5199,7 +5199,7 @@
           </p:nvSpPr>
           <p:spPr>
             <a:xfrm>
-              <a:off x="2508110" y="5056906"/>
+              <a:off x="2050910" y="5039335"/>
               <a:ext cx="34794" cy="0"/>
             </a:xfrm>
             <a:custGeom>
@@ -5239,7 +5239,7 @@
           </p:nvSpPr>
           <p:spPr>
             <a:xfrm>
-              <a:off x="2508110" y="4677141"/>
+              <a:off x="2050910" y="4664590"/>
               <a:ext cx="34794" cy="0"/>
             </a:xfrm>
             <a:custGeom>
@@ -5279,7 +5279,7 @@
           </p:nvSpPr>
           <p:spPr>
             <a:xfrm>
-              <a:off x="2508110" y="4297376"/>
+              <a:off x="2050910" y="4289845"/>
               <a:ext cx="34794" cy="0"/>
             </a:xfrm>
             <a:custGeom>
@@ -5319,7 +5319,7 @@
           </p:nvSpPr>
           <p:spPr>
             <a:xfrm>
-              <a:off x="2508110" y="3917610"/>
+              <a:off x="2050910" y="3915100"/>
               <a:ext cx="34794" cy="0"/>
             </a:xfrm>
             <a:custGeom>
@@ -5359,7 +5359,7 @@
           </p:nvSpPr>
           <p:spPr>
             <a:xfrm>
-              <a:off x="2508110" y="3537845"/>
+              <a:off x="2050910" y="3540355"/>
               <a:ext cx="34794" cy="0"/>
             </a:xfrm>
             <a:custGeom>
@@ -5399,7 +5399,7 @@
           </p:nvSpPr>
           <p:spPr>
             <a:xfrm>
-              <a:off x="2508110" y="3158080"/>
+              <a:off x="2050910" y="3165610"/>
               <a:ext cx="34794" cy="0"/>
             </a:xfrm>
             <a:custGeom>
@@ -5439,7 +5439,7 @@
           </p:nvSpPr>
           <p:spPr>
             <a:xfrm>
-              <a:off x="2508110" y="2778314"/>
+              <a:off x="2050910" y="2790865"/>
               <a:ext cx="34794" cy="0"/>
             </a:xfrm>
             <a:custGeom>
@@ -5479,7 +5479,7 @@
           </p:nvSpPr>
           <p:spPr>
             <a:xfrm>
-              <a:off x="2508110" y="2398549"/>
+              <a:off x="2050910" y="2416120"/>
               <a:ext cx="34794" cy="0"/>
             </a:xfrm>
             <a:custGeom>
@@ -5519,7 +5519,7 @@
           </p:nvSpPr>
           <p:spPr>
             <a:xfrm>
-              <a:off x="2508110" y="2018784"/>
+              <a:off x="2050910" y="2041375"/>
               <a:ext cx="34794" cy="0"/>
             </a:xfrm>
             <a:custGeom>
@@ -5559,7 +5559,7 @@
           </p:nvSpPr>
           <p:spPr>
             <a:xfrm>
-              <a:off x="2542904" y="5664531"/>
+              <a:off x="2085704" y="5638927"/>
               <a:ext cx="0" cy="34794"/>
             </a:xfrm>
             <a:custGeom>
@@ -5599,7 +5599,7 @@
           </p:nvSpPr>
           <p:spPr>
             <a:xfrm>
-              <a:off x="4423543" y="5664531"/>
+              <a:off x="4255994" y="5638927"/>
               <a:ext cx="0" cy="34794"/>
             </a:xfrm>
             <a:custGeom>
@@ -5639,7 +5639,7 @@
           </p:nvSpPr>
           <p:spPr>
             <a:xfrm>
-              <a:off x="6304181" y="5664531"/>
+              <a:off x="6426284" y="5638927"/>
               <a:ext cx="0" cy="34794"/>
             </a:xfrm>
             <a:custGeom>
@@ -5679,7 +5679,7 @@
           </p:nvSpPr>
           <p:spPr>
             <a:xfrm>
-              <a:off x="8184820" y="5664531"/>
+              <a:off x="8596574" y="5638927"/>
               <a:ext cx="0" cy="34794"/>
             </a:xfrm>
             <a:custGeom>
@@ -5719,7 +5719,7 @@
           </p:nvSpPr>
           <p:spPr>
             <a:xfrm>
-              <a:off x="2511827" y="5725469"/>
+              <a:off x="2054627" y="5699866"/>
               <a:ext cx="62155" cy="81691"/>
             </a:xfrm>
             <a:prstGeom prst="rect">
@@ -5765,7 +5765,7 @@
           </p:nvSpPr>
           <p:spPr>
             <a:xfrm>
-              <a:off x="4299232" y="5725469"/>
+              <a:off x="4131683" y="5699866"/>
               <a:ext cx="248622" cy="81691"/>
             </a:xfrm>
             <a:prstGeom prst="rect">
@@ -5811,7 +5811,7 @@
           </p:nvSpPr>
           <p:spPr>
             <a:xfrm>
-              <a:off x="6179870" y="5725469"/>
+              <a:off x="6301973" y="5699866"/>
               <a:ext cx="248622" cy="81691"/>
             </a:xfrm>
             <a:prstGeom prst="rect">
@@ -5857,7 +5857,7 @@
           </p:nvSpPr>
           <p:spPr>
             <a:xfrm>
-              <a:off x="8060509" y="5725469"/>
+              <a:off x="8472262" y="5699866"/>
               <a:ext cx="248622" cy="81691"/>
             </a:xfrm>
             <a:prstGeom prst="rect">
@@ -5903,7 +5903,7 @@
           </p:nvSpPr>
           <p:spPr>
             <a:xfrm>
-              <a:off x="5286227" y="5865464"/>
+              <a:off x="5286227" y="5839861"/>
               <a:ext cx="450341" cy="101637"/>
             </a:xfrm>
             <a:prstGeom prst="rect">
@@ -5949,7 +5949,7 @@
           </p:nvSpPr>
           <p:spPr>
             <a:xfrm>
-              <a:off x="2542904" y="1527687"/>
+              <a:off x="2085704" y="1553291"/>
               <a:ext cx="1379100" cy="157326"/>
             </a:xfrm>
             <a:prstGeom prst="rect">
